--- a/Curso_Webscraping.pptx
+++ b/Curso_Webscraping.pptx
@@ -11,6 +11,8 @@
     <p:sldId id="257" r:id="rId6"/>
     <p:sldId id="258" r:id="rId7"/>
     <p:sldId id="259" r:id="rId8"/>
+    <p:sldId id="260" r:id="rId9"/>
+    <p:sldId id="261" r:id="rId10"/>
   </p:sldIdLst>
   <p:sldSz cx="12192000" cy="6858000"/>
   <p:notesSz cx="7559675" cy="10691812"/>
@@ -5541,7 +5543,7 @@
                 <a:spcPct val="100000"/>
               </a:lnSpc>
             </a:pPr>
-            <a:fld id="{048D4943-2337-4086-8D9D-6A40918EA4E2}" type="datetime1">
+            <a:fld id="{9D643359-3997-4727-846C-52BDA3A0836A}" type="datetime1">
               <a:rPr b="1" lang="pt-BR" sz="1600" spc="-1" strike="noStrike">
                 <a:solidFill>
                   <a:srgbClr val="000000"/>
@@ -5639,7 +5641,7 @@
                 <a:spcPct val="100000"/>
               </a:lnSpc>
             </a:pPr>
-            <a:fld id="{81E93E6D-9F69-4321-BC9F-8236C5354BF8}" type="slidenum">
+            <a:fld id="{F05E91AB-1A6B-429C-A752-984904AAB44E}" type="slidenum">
               <a:rPr b="1" lang="pt-BR" sz="2000" spc="-1" strike="noStrike">
                 <a:solidFill>
                   <a:srgbClr val="ffffff"/>
@@ -5647,7 +5649,7 @@
                 <a:latin typeface="Calibri"/>
                 <a:ea typeface="DejaVu Sans"/>
               </a:rPr>
-              <a:t>&lt;número&gt;</a:t>
+              <a:t>1</a:t>
             </a:fld>
             <a:endParaRPr b="0" lang="pt-BR" sz="2000" spc="-1" strike="noStrike">
               <a:latin typeface="Arial"/>
@@ -6074,7 +6076,7 @@
                 <a:spcPct val="100000"/>
               </a:lnSpc>
             </a:pPr>
-            <a:fld id="{3264AFE6-B58C-4C71-9A25-35DC25309A5E}" type="datetime1">
+            <a:fld id="{6D1A7036-DD9D-4492-B4B6-CFC47616CA86}" type="datetime1">
               <a:rPr b="1" lang="pt-BR" sz="1600" spc="-1" strike="noStrike">
                 <a:solidFill>
                   <a:srgbClr val="000000"/>
@@ -6131,7 +6133,97 @@
                 <a:latin typeface="Calibri"/>
                 <a:ea typeface="DejaVu Sans"/>
               </a:rPr>
-              <a:t>Webscraping com pacote Rvest</a:t>
+              <a:t>We</a:t>
+            </a:r>
+            <a:r>
+              <a:rPr b="1" lang="pt-BR" sz="1600" spc="-1" strike="noStrike">
+                <a:solidFill>
+                  <a:srgbClr val="000000"/>
+                </a:solidFill>
+                <a:latin typeface="Calibri"/>
+                <a:ea typeface="DejaVu Sans"/>
+              </a:rPr>
+              <a:t>bsc</a:t>
+            </a:r>
+            <a:r>
+              <a:rPr b="1" lang="pt-BR" sz="1600" spc="-1" strike="noStrike">
+                <a:solidFill>
+                  <a:srgbClr val="000000"/>
+                </a:solidFill>
+                <a:latin typeface="Calibri"/>
+                <a:ea typeface="DejaVu Sans"/>
+              </a:rPr>
+              <a:t>rap</a:t>
+            </a:r>
+            <a:r>
+              <a:rPr b="1" lang="pt-BR" sz="1600" spc="-1" strike="noStrike">
+                <a:solidFill>
+                  <a:srgbClr val="000000"/>
+                </a:solidFill>
+                <a:latin typeface="Calibri"/>
+                <a:ea typeface="DejaVu Sans"/>
+              </a:rPr>
+              <a:t>ing </a:t>
+            </a:r>
+            <a:r>
+              <a:rPr b="1" lang="pt-BR" sz="1600" spc="-1" strike="noStrike">
+                <a:solidFill>
+                  <a:srgbClr val="000000"/>
+                </a:solidFill>
+                <a:latin typeface="Calibri"/>
+                <a:ea typeface="DejaVu Sans"/>
+              </a:rPr>
+              <a:t>co</a:t>
+            </a:r>
+            <a:r>
+              <a:rPr b="1" lang="pt-BR" sz="1600" spc="-1" strike="noStrike">
+                <a:solidFill>
+                  <a:srgbClr val="000000"/>
+                </a:solidFill>
+                <a:latin typeface="Calibri"/>
+                <a:ea typeface="DejaVu Sans"/>
+              </a:rPr>
+              <a:t>m </a:t>
+            </a:r>
+            <a:r>
+              <a:rPr b="1" lang="pt-BR" sz="1600" spc="-1" strike="noStrike">
+                <a:solidFill>
+                  <a:srgbClr val="000000"/>
+                </a:solidFill>
+                <a:latin typeface="Calibri"/>
+                <a:ea typeface="DejaVu Sans"/>
+              </a:rPr>
+              <a:t>pac</a:t>
+            </a:r>
+            <a:r>
+              <a:rPr b="1" lang="pt-BR" sz="1600" spc="-1" strike="noStrike">
+                <a:solidFill>
+                  <a:srgbClr val="000000"/>
+                </a:solidFill>
+                <a:latin typeface="Calibri"/>
+                <a:ea typeface="DejaVu Sans"/>
+              </a:rPr>
+              <a:t>ote </a:t>
+            </a:r>
+            <a:r>
+              <a:rPr b="1" lang="pt-BR" sz="1600" spc="-1" strike="noStrike">
+                <a:solidFill>
+                  <a:srgbClr val="000000"/>
+                </a:solidFill>
+                <a:latin typeface="Calibri"/>
+                <a:ea typeface="DejaVu Sans"/>
+              </a:rPr>
+              <a:t>Rve</a:t>
+            </a:r>
+            <a:r>
+              <a:rPr b="1" lang="pt-BR" sz="1600" spc="-1" strike="noStrike">
+                <a:solidFill>
+                  <a:srgbClr val="000000"/>
+                </a:solidFill>
+                <a:latin typeface="Calibri"/>
+                <a:ea typeface="DejaVu Sans"/>
+              </a:rPr>
+              <a:t>st</a:t>
             </a:r>
             <a:endParaRPr b="0" lang="pt-BR" sz="1600" spc="-1" strike="noStrike">
               <a:latin typeface="Arial"/>
@@ -6172,7 +6264,7 @@
                 <a:spcPct val="100000"/>
               </a:lnSpc>
             </a:pPr>
-            <a:fld id="{4A7AC23B-D78C-4EC2-8820-8FAC330264E0}" type="slidenum">
+            <a:fld id="{8E82B03A-5211-46E8-8011-2893E6346255}" type="slidenum">
               <a:rPr b="1" lang="pt-BR" sz="2000" spc="-1" strike="noStrike">
                 <a:solidFill>
                   <a:srgbClr val="ffffff"/>
@@ -6180,7 +6272,7 @@
                 <a:latin typeface="Calibri"/>
                 <a:ea typeface="DejaVu Sans"/>
               </a:rPr>
-              <a:t>&lt;número&gt;</a:t>
+              <a:t>1</a:t>
             </a:fld>
             <a:endParaRPr b="0" lang="pt-BR" sz="2000" spc="-1" strike="noStrike">
               <a:latin typeface="Arial"/>
@@ -6239,7 +6331,137 @@
                 <a:latin typeface="Calibri"/>
                 <a:ea typeface="DejaVu Sans"/>
               </a:rPr>
-              <a:t>Refere-se a um processo automatizado para extração de dados de website, no qual dados são consolidados e copiados para uma base de dados para posterior análise.”</a:t>
+              <a:t>Refere-se a </a:t>
+            </a:r>
+            <a:r>
+              <a:rPr b="0" lang="pt-BR" sz="2800" spc="-1" strike="noStrike">
+                <a:solidFill>
+                  <a:srgbClr val="000000"/>
+                </a:solidFill>
+                <a:latin typeface="Calibri"/>
+                <a:ea typeface="DejaVu Sans"/>
+              </a:rPr>
+              <a:t>um processo </a:t>
+            </a:r>
+            <a:r>
+              <a:rPr b="0" lang="pt-BR" sz="2800" spc="-1" strike="noStrike">
+                <a:solidFill>
+                  <a:srgbClr val="000000"/>
+                </a:solidFill>
+                <a:latin typeface="Calibri"/>
+                <a:ea typeface="DejaVu Sans"/>
+              </a:rPr>
+              <a:t>automatizado </a:t>
+            </a:r>
+            <a:r>
+              <a:rPr b="0" lang="pt-BR" sz="2800" spc="-1" strike="noStrike">
+                <a:solidFill>
+                  <a:srgbClr val="000000"/>
+                </a:solidFill>
+                <a:latin typeface="Calibri"/>
+                <a:ea typeface="DejaVu Sans"/>
+              </a:rPr>
+              <a:t>para extração </a:t>
+            </a:r>
+            <a:r>
+              <a:rPr b="0" lang="pt-BR" sz="2800" spc="-1" strike="noStrike">
+                <a:solidFill>
+                  <a:srgbClr val="000000"/>
+                </a:solidFill>
+                <a:latin typeface="Calibri"/>
+                <a:ea typeface="DejaVu Sans"/>
+              </a:rPr>
+              <a:t>de dados de </a:t>
+            </a:r>
+            <a:r>
+              <a:rPr b="0" lang="pt-BR" sz="2800" spc="-1" strike="noStrike">
+                <a:solidFill>
+                  <a:srgbClr val="000000"/>
+                </a:solidFill>
+                <a:latin typeface="Calibri"/>
+                <a:ea typeface="DejaVu Sans"/>
+              </a:rPr>
+              <a:t>website, no </a:t>
+            </a:r>
+            <a:r>
+              <a:rPr b="0" lang="pt-BR" sz="2800" spc="-1" strike="noStrike">
+                <a:solidFill>
+                  <a:srgbClr val="000000"/>
+                </a:solidFill>
+                <a:latin typeface="Calibri"/>
+                <a:ea typeface="DejaVu Sans"/>
+              </a:rPr>
+              <a:t>qual dados </a:t>
+            </a:r>
+            <a:r>
+              <a:rPr b="0" lang="pt-BR" sz="2800" spc="-1" strike="noStrike">
+                <a:solidFill>
+                  <a:srgbClr val="000000"/>
+                </a:solidFill>
+                <a:latin typeface="Calibri"/>
+                <a:ea typeface="DejaVu Sans"/>
+              </a:rPr>
+              <a:t>são </a:t>
+            </a:r>
+            <a:r>
+              <a:rPr b="0" lang="pt-BR" sz="2800" spc="-1" strike="noStrike">
+                <a:solidFill>
+                  <a:srgbClr val="000000"/>
+                </a:solidFill>
+                <a:latin typeface="Calibri"/>
+                <a:ea typeface="DejaVu Sans"/>
+              </a:rPr>
+              <a:t>consolidados </a:t>
+            </a:r>
+            <a:r>
+              <a:rPr b="0" lang="pt-BR" sz="2800" spc="-1" strike="noStrike">
+                <a:solidFill>
+                  <a:srgbClr val="000000"/>
+                </a:solidFill>
+                <a:latin typeface="Calibri"/>
+                <a:ea typeface="DejaVu Sans"/>
+              </a:rPr>
+              <a:t>e copiados </a:t>
+            </a:r>
+            <a:r>
+              <a:rPr b="0" lang="pt-BR" sz="2800" spc="-1" strike="noStrike">
+                <a:solidFill>
+                  <a:srgbClr val="000000"/>
+                </a:solidFill>
+                <a:latin typeface="Calibri"/>
+                <a:ea typeface="DejaVu Sans"/>
+              </a:rPr>
+              <a:t>para uma </a:t>
+            </a:r>
+            <a:r>
+              <a:rPr b="0" lang="pt-BR" sz="2800" spc="-1" strike="noStrike">
+                <a:solidFill>
+                  <a:srgbClr val="000000"/>
+                </a:solidFill>
+                <a:latin typeface="Calibri"/>
+                <a:ea typeface="DejaVu Sans"/>
+              </a:rPr>
+              <a:t>base de dados </a:t>
+            </a:r>
+            <a:r>
+              <a:rPr b="0" lang="pt-BR" sz="2800" spc="-1" strike="noStrike">
+                <a:solidFill>
+                  <a:srgbClr val="000000"/>
+                </a:solidFill>
+                <a:latin typeface="Calibri"/>
+                <a:ea typeface="DejaVu Sans"/>
+              </a:rPr>
+              <a:t>para posterior </a:t>
+            </a:r>
+            <a:r>
+              <a:rPr b="0" lang="pt-BR" sz="2800" spc="-1" strike="noStrike">
+                <a:solidFill>
+                  <a:srgbClr val="000000"/>
+                </a:solidFill>
+                <a:latin typeface="Calibri"/>
+                <a:ea typeface="DejaVu Sans"/>
+              </a:rPr>
+              <a:t>análise.”</a:t>
             </a:r>
             <a:endParaRPr b="0" lang="pt-BR" sz="2800" spc="-1" strike="noStrike">
               <a:latin typeface="Arial"/>
@@ -6360,7 +6582,47 @@
                 <a:latin typeface="Calibri"/>
                 <a:ea typeface="DejaVu Sans"/>
               </a:rPr>
-              <a:t>Find website</a:t>
+              <a:t>Fin</a:t>
+            </a:r>
+            <a:r>
+              <a:rPr b="0" lang="pt-BR" sz="1800" spc="-1" strike="noStrike">
+                <a:solidFill>
+                  <a:srgbClr val="000000"/>
+                </a:solidFill>
+                <a:latin typeface="Calibri"/>
+                <a:ea typeface="DejaVu Sans"/>
+              </a:rPr>
+              <a:t>d </a:t>
+            </a:r>
+            <a:r>
+              <a:rPr b="0" lang="pt-BR" sz="1800" spc="-1" strike="noStrike">
+                <a:solidFill>
+                  <a:srgbClr val="000000"/>
+                </a:solidFill>
+                <a:latin typeface="Calibri"/>
+                <a:ea typeface="DejaVu Sans"/>
+              </a:rPr>
+              <a:t>we</a:t>
+            </a:r>
+            <a:r>
+              <a:rPr b="0" lang="pt-BR" sz="1800" spc="-1" strike="noStrike">
+                <a:solidFill>
+                  <a:srgbClr val="000000"/>
+                </a:solidFill>
+                <a:latin typeface="Calibri"/>
+                <a:ea typeface="DejaVu Sans"/>
+              </a:rPr>
+              <a:t>bsit</a:t>
+            </a:r>
+            <a:r>
+              <a:rPr b="0" lang="pt-BR" sz="1800" spc="-1" strike="noStrike">
+                <a:solidFill>
+                  <a:srgbClr val="000000"/>
+                </a:solidFill>
+                <a:latin typeface="Calibri"/>
+                <a:ea typeface="DejaVu Sans"/>
+              </a:rPr>
+              <a:t>e</a:t>
             </a:r>
             <a:endParaRPr b="0" lang="pt-BR" sz="1800" spc="-1" strike="noStrike">
               <a:latin typeface="Arial"/>
@@ -6880,6 +7142,1305 @@
         </p:nvSpPr>
         <p:spPr>
           <a:xfrm>
+            <a:off x="2574360" y="0"/>
+            <a:ext cx="9298080" cy="899640"/>
+          </a:xfrm>
+          <a:prstGeom prst="rect">
+            <a:avLst/>
+          </a:prstGeom>
+          <a:noFill/>
+          <a:ln>
+            <a:noFill/>
+          </a:ln>
+        </p:spPr>
+        <p:style>
+          <a:lnRef idx="0"/>
+          <a:fillRef idx="0"/>
+          <a:effectRef idx="0"/>
+          <a:fontRef idx="minor"/>
+        </p:style>
+        <p:txBody>
+          <a:bodyPr lIns="90000" rIns="90000" tIns="45000" bIns="45000" anchor="ctr"/>
+          <a:p>
+            <a:pPr algn="r">
+              <a:lnSpc>
+                <a:spcPct val="100000"/>
+              </a:lnSpc>
+            </a:pPr>
+            <a:r>
+              <a:rPr b="0" lang="pt-BR" sz="4000" spc="-1" strike="noStrike">
+                <a:solidFill>
+                  <a:srgbClr val="000000"/>
+                </a:solidFill>
+                <a:latin typeface="Calibri Light"/>
+                <a:ea typeface="DejaVu Sans"/>
+              </a:rPr>
+              <a:t>As Abordagens do Rvest</a:t>
+            </a:r>
+            <a:endParaRPr b="0" lang="pt-BR" sz="4000" spc="-1" strike="noStrike">
+              <a:latin typeface="Arial"/>
+            </a:endParaRPr>
+          </a:p>
+        </p:txBody>
+      </p:sp>
+      <p:sp>
+        <p:nvSpPr>
+          <p:cNvPr id="155" name="CustomShape 2"/>
+          <p:cNvSpPr/>
+          <p:nvPr/>
+        </p:nvSpPr>
+        <p:spPr>
+          <a:xfrm>
+            <a:off x="838080" y="6356520"/>
+            <a:ext cx="2742480" cy="364320"/>
+          </a:xfrm>
+          <a:prstGeom prst="rect">
+            <a:avLst/>
+          </a:prstGeom>
+          <a:noFill/>
+          <a:ln>
+            <a:noFill/>
+          </a:ln>
+        </p:spPr>
+        <p:style>
+          <a:lnRef idx="0"/>
+          <a:fillRef idx="0"/>
+          <a:effectRef idx="0"/>
+          <a:fontRef idx="minor"/>
+        </p:style>
+        <p:txBody>
+          <a:bodyPr lIns="90000" rIns="90000" tIns="45000" bIns="45000" anchor="ctr"/>
+          <a:p>
+            <a:pPr>
+              <a:lnSpc>
+                <a:spcPct val="100000"/>
+              </a:lnSpc>
+            </a:pPr>
+            <a:fld id="{C1F025CB-38A0-4A2D-8470-6D210181C7D2}" type="datetime1">
+              <a:rPr b="1" lang="pt-BR" sz="1600" spc="-1" strike="noStrike">
+                <a:solidFill>
+                  <a:srgbClr val="000000"/>
+                </a:solidFill>
+                <a:latin typeface="Calibri"/>
+                <a:ea typeface="DejaVu Sans"/>
+              </a:rPr>
+              <a:t>22/05/2018</a:t>
+            </a:fld>
+            <a:endParaRPr b="0" lang="pt-BR" sz="1600" spc="-1" strike="noStrike">
+              <a:latin typeface="Arial"/>
+            </a:endParaRPr>
+          </a:p>
+        </p:txBody>
+      </p:sp>
+      <p:sp>
+        <p:nvSpPr>
+          <p:cNvPr id="156" name="CustomShape 3"/>
+          <p:cNvSpPr/>
+          <p:nvPr/>
+        </p:nvSpPr>
+        <p:spPr>
+          <a:xfrm>
+            <a:off x="4038480" y="6356520"/>
+            <a:ext cx="4114080" cy="364320"/>
+          </a:xfrm>
+          <a:prstGeom prst="rect">
+            <a:avLst/>
+          </a:prstGeom>
+          <a:noFill/>
+          <a:ln>
+            <a:noFill/>
+          </a:ln>
+        </p:spPr>
+        <p:style>
+          <a:lnRef idx="0"/>
+          <a:fillRef idx="0"/>
+          <a:effectRef idx="0"/>
+          <a:fontRef idx="minor"/>
+        </p:style>
+        <p:txBody>
+          <a:bodyPr lIns="90000" rIns="90000" tIns="45000" bIns="45000" anchor="ctr"/>
+          <a:p>
+            <a:pPr algn="ctr">
+              <a:lnSpc>
+                <a:spcPct val="100000"/>
+              </a:lnSpc>
+            </a:pPr>
+            <a:r>
+              <a:rPr b="1" lang="pt-BR" sz="1600" spc="-1" strike="noStrike">
+                <a:solidFill>
+                  <a:srgbClr val="000000"/>
+                </a:solidFill>
+                <a:latin typeface="Calibri"/>
+                <a:ea typeface="DejaVu Sans"/>
+              </a:rPr>
+              <a:t>Webscraping com pacote Rvest</a:t>
+            </a:r>
+            <a:endParaRPr b="0" lang="pt-BR" sz="1600" spc="-1" strike="noStrike">
+              <a:latin typeface="Arial"/>
+            </a:endParaRPr>
+          </a:p>
+        </p:txBody>
+      </p:sp>
+      <p:sp>
+        <p:nvSpPr>
+          <p:cNvPr id="157" name="CustomShape 4"/>
+          <p:cNvSpPr/>
+          <p:nvPr/>
+        </p:nvSpPr>
+        <p:spPr>
+          <a:xfrm>
+            <a:off x="11353680" y="6176880"/>
+            <a:ext cx="606960" cy="364320"/>
+          </a:xfrm>
+          <a:prstGeom prst="rect">
+            <a:avLst/>
+          </a:prstGeom>
+          <a:noFill/>
+          <a:ln>
+            <a:noFill/>
+          </a:ln>
+        </p:spPr>
+        <p:style>
+          <a:lnRef idx="0"/>
+          <a:fillRef idx="0"/>
+          <a:effectRef idx="0"/>
+          <a:fontRef idx="minor"/>
+        </p:style>
+        <p:txBody>
+          <a:bodyPr lIns="90000" rIns="90000" tIns="45000" bIns="45000" anchor="ctr"/>
+          <a:p>
+            <a:pPr algn="ctr">
+              <a:lnSpc>
+                <a:spcPct val="100000"/>
+              </a:lnSpc>
+            </a:pPr>
+            <a:fld id="{006494B7-12BA-411D-AEDF-969443F18FA4}" type="slidenum">
+              <a:rPr b="1" lang="pt-BR" sz="2000" spc="-1" strike="noStrike">
+                <a:solidFill>
+                  <a:srgbClr val="ffffff"/>
+                </a:solidFill>
+                <a:latin typeface="Calibri"/>
+                <a:ea typeface="DejaVu Sans"/>
+              </a:rPr>
+              <a:t>1</a:t>
+            </a:fld>
+            <a:endParaRPr b="0" lang="pt-BR" sz="2000" spc="-1" strike="noStrike">
+              <a:latin typeface="Arial"/>
+            </a:endParaRPr>
+          </a:p>
+        </p:txBody>
+      </p:sp>
+      <p:pic>
+        <p:nvPicPr>
+          <p:cNvPr id="158" name="Picture 2" descr=""/>
+          <p:cNvPicPr/>
+          <p:nvPr/>
+        </p:nvPicPr>
+        <p:blipFill>
+          <a:blip r:embed="rId1"/>
+          <a:stretch/>
+        </p:blipFill>
+        <p:spPr>
+          <a:xfrm>
+            <a:off x="5508000" y="1152000"/>
+            <a:ext cx="1440000" cy="1662480"/>
+          </a:xfrm>
+          <a:prstGeom prst="rect">
+            <a:avLst/>
+          </a:prstGeom>
+          <a:ln>
+            <a:noFill/>
+          </a:ln>
+        </p:spPr>
+      </p:pic>
+      <p:sp>
+        <p:nvSpPr>
+          <p:cNvPr id="159" name="CustomShape 5"/>
+          <p:cNvSpPr/>
+          <p:nvPr/>
+        </p:nvSpPr>
+        <p:spPr>
+          <a:xfrm>
+            <a:off x="7368480" y="4865400"/>
+            <a:ext cx="1123920" cy="282600"/>
+          </a:xfrm>
+          <a:prstGeom prst="rect">
+            <a:avLst/>
+          </a:prstGeom>
+          <a:solidFill>
+            <a:srgbClr val="ffffff"/>
+          </a:solidFill>
+          <a:ln w="12600">
+            <a:solidFill>
+              <a:srgbClr val="ffffff"/>
+            </a:solidFill>
+            <a:miter/>
+          </a:ln>
+        </p:spPr>
+        <p:style>
+          <a:lnRef idx="0"/>
+          <a:fillRef idx="0"/>
+          <a:effectRef idx="0"/>
+          <a:fontRef idx="minor"/>
+        </p:style>
+      </p:sp>
+      <p:sp>
+        <p:nvSpPr>
+          <p:cNvPr id="160" name="CustomShape 6"/>
+          <p:cNvSpPr/>
+          <p:nvPr/>
+        </p:nvSpPr>
+        <p:spPr>
+          <a:xfrm>
+            <a:off x="7350120" y="1089000"/>
+            <a:ext cx="1123920" cy="282600"/>
+          </a:xfrm>
+          <a:prstGeom prst="rect">
+            <a:avLst/>
+          </a:prstGeom>
+          <a:solidFill>
+            <a:srgbClr val="ffffff"/>
+          </a:solidFill>
+          <a:ln w="12600">
+            <a:solidFill>
+              <a:srgbClr val="ffffff"/>
+            </a:solidFill>
+            <a:miter/>
+          </a:ln>
+        </p:spPr>
+        <p:style>
+          <a:lnRef idx="0"/>
+          <a:fillRef idx="0"/>
+          <a:effectRef idx="0"/>
+          <a:fontRef idx="minor"/>
+        </p:style>
+      </p:sp>
+      <p:sp>
+        <p:nvSpPr>
+          <p:cNvPr id="161" name="CustomShape 7"/>
+          <p:cNvSpPr/>
+          <p:nvPr/>
+        </p:nvSpPr>
+        <p:spPr>
+          <a:xfrm>
+            <a:off x="2144160" y="2574720"/>
+            <a:ext cx="1195200" cy="336240"/>
+          </a:xfrm>
+          <a:prstGeom prst="rect">
+            <a:avLst/>
+          </a:prstGeom>
+          <a:solidFill>
+            <a:srgbClr val="ffffff"/>
+          </a:solidFill>
+          <a:ln w="12600">
+            <a:solidFill>
+              <a:srgbClr val="ffffff"/>
+            </a:solidFill>
+            <a:miter/>
+          </a:ln>
+        </p:spPr>
+        <p:style>
+          <a:lnRef idx="0"/>
+          <a:fillRef idx="0"/>
+          <a:effectRef idx="0"/>
+          <a:fontRef idx="minor"/>
+        </p:style>
+      </p:sp>
+      <p:sp>
+        <p:nvSpPr>
+          <p:cNvPr id="162" name="CustomShape 8"/>
+          <p:cNvSpPr/>
+          <p:nvPr/>
+        </p:nvSpPr>
+        <p:spPr>
+          <a:xfrm>
+            <a:off x="3020040" y="2016360"/>
+            <a:ext cx="1254960" cy="291960"/>
+          </a:xfrm>
+          <a:prstGeom prst="rect">
+            <a:avLst/>
+          </a:prstGeom>
+          <a:solidFill>
+            <a:srgbClr val="ffffff"/>
+          </a:solidFill>
+          <a:ln w="12600">
+            <a:solidFill>
+              <a:srgbClr val="ffffff"/>
+            </a:solidFill>
+            <a:miter/>
+          </a:ln>
+        </p:spPr>
+        <p:style>
+          <a:lnRef idx="0"/>
+          <a:fillRef idx="0"/>
+          <a:effectRef idx="0"/>
+          <a:fontRef idx="minor"/>
+        </p:style>
+      </p:sp>
+      <p:sp>
+        <p:nvSpPr>
+          <p:cNvPr id="163" name="CustomShape 9"/>
+          <p:cNvSpPr/>
+          <p:nvPr/>
+        </p:nvSpPr>
+        <p:spPr>
+          <a:xfrm>
+            <a:off x="2361600" y="5490360"/>
+            <a:ext cx="1617840" cy="513000"/>
+          </a:xfrm>
+          <a:prstGeom prst="rect">
+            <a:avLst/>
+          </a:prstGeom>
+          <a:solidFill>
+            <a:srgbClr val="ffffff"/>
+          </a:solidFill>
+          <a:ln w="12600">
+            <a:solidFill>
+              <a:srgbClr val="ffffff"/>
+            </a:solidFill>
+            <a:miter/>
+          </a:ln>
+        </p:spPr>
+        <p:style>
+          <a:lnRef idx="0"/>
+          <a:fillRef idx="0"/>
+          <a:effectRef idx="0"/>
+          <a:fontRef idx="minor"/>
+        </p:style>
+      </p:sp>
+      <p:sp>
+        <p:nvSpPr>
+          <p:cNvPr id="164" name="CustomShape 10"/>
+          <p:cNvSpPr/>
+          <p:nvPr/>
+        </p:nvSpPr>
+        <p:spPr>
+          <a:xfrm>
+            <a:off x="7992720" y="5337720"/>
+            <a:ext cx="1142280" cy="419040"/>
+          </a:xfrm>
+          <a:prstGeom prst="rect">
+            <a:avLst/>
+          </a:prstGeom>
+          <a:solidFill>
+            <a:srgbClr val="ffffff"/>
+          </a:solidFill>
+          <a:ln w="12600">
+            <a:solidFill>
+              <a:srgbClr val="ffffff"/>
+            </a:solidFill>
+            <a:miter/>
+          </a:ln>
+        </p:spPr>
+        <p:style>
+          <a:lnRef idx="0"/>
+          <a:fillRef idx="0"/>
+          <a:effectRef idx="0"/>
+          <a:fontRef idx="minor"/>
+        </p:style>
+      </p:sp>
+      <p:cxnSp>
+        <p:nvCxnSpPr>
+          <p:cNvPr id="165" name="Line 11"/>
+          <p:cNvCxnSpPr/>
+          <p:nvPr/>
+        </p:nvCxnSpPr>
+        <p:spPr>
+          <a:xfrm>
+            <a:off x="0" y="0"/>
+            <a:ext cx="360" cy="360"/>
+          </a:xfrm>
+          <a:prstGeom prst="line">
+            <a:avLst/>
+          </a:prstGeom>
+          <a:ln>
+            <a:solidFill>
+              <a:srgbClr val="000000"/>
+            </a:solidFill>
+            <a:tailEnd len="med" type="triangle" w="med"/>
+          </a:ln>
+        </p:spPr>
+      </p:cxnSp>
+      <p:sp>
+        <p:nvSpPr>
+          <p:cNvPr id="166" name="TextShape 12"/>
+          <p:cNvSpPr txBox="1"/>
+          <p:nvPr/>
+        </p:nvSpPr>
+        <p:spPr>
+          <a:xfrm>
+            <a:off x="8686800" y="3508920"/>
+            <a:ext cx="2401200" cy="883080"/>
+          </a:xfrm>
+          <a:prstGeom prst="rect">
+            <a:avLst/>
+          </a:prstGeom>
+          <a:solidFill>
+            <a:srgbClr val="ffffff"/>
+          </a:solidFill>
+          <a:ln>
+            <a:solidFill>
+              <a:srgbClr val="ffffff"/>
+            </a:solidFill>
+          </a:ln>
+        </p:spPr>
+        <p:txBody>
+          <a:bodyPr lIns="90000" rIns="90000" tIns="45000" bIns="45000"/>
+          <a:p>
+            <a:r>
+              <a:rPr b="1" lang="pt-BR" sz="2800" spc="-1" strike="noStrike">
+                <a:latin typeface="Arial"/>
+              </a:rPr>
+              <a:t>Dinâmica</a:t>
+            </a:r>
+            <a:endParaRPr b="0" lang="pt-BR" sz="2800" spc="-1" strike="noStrike">
+              <a:latin typeface="Arial"/>
+            </a:endParaRPr>
+          </a:p>
+        </p:txBody>
+      </p:sp>
+      <p:cxnSp>
+        <p:nvCxnSpPr>
+          <p:cNvPr id="167" name="Line 13"/>
+          <p:cNvCxnSpPr/>
+          <p:nvPr/>
+        </p:nvCxnSpPr>
+        <p:spPr>
+          <a:xfrm>
+            <a:off x="0" y="0"/>
+            <a:ext cx="360" cy="360"/>
+          </a:xfrm>
+          <a:prstGeom prst="line">
+            <a:avLst/>
+          </a:prstGeom>
+          <a:ln>
+            <a:solidFill>
+              <a:srgbClr val="000000"/>
+            </a:solidFill>
+            <a:tailEnd len="med" type="triangle" w="med"/>
+          </a:ln>
+        </p:spPr>
+      </p:cxnSp>
+      <p:sp>
+        <p:nvSpPr>
+          <p:cNvPr id="168" name="TextShape 14"/>
+          <p:cNvSpPr txBox="1"/>
+          <p:nvPr/>
+        </p:nvSpPr>
+        <p:spPr>
+          <a:xfrm>
+            <a:off x="8600040" y="3168000"/>
+            <a:ext cx="1969200" cy="883080"/>
+          </a:xfrm>
+          <a:prstGeom prst="rect">
+            <a:avLst/>
+          </a:prstGeom>
+          <a:solidFill>
+            <a:srgbClr val="ffffff"/>
+          </a:solidFill>
+          <a:ln>
+            <a:solidFill>
+              <a:srgbClr val="ffffff"/>
+            </a:solidFill>
+          </a:ln>
+        </p:spPr>
+        <p:txBody>
+          <a:bodyPr lIns="90000" rIns="90000" tIns="45000" bIns="45000"/>
+          <a:p>
+            <a:r>
+              <a:rPr b="1" lang="pt-BR" sz="2800" spc="-1" strike="noStrike">
+                <a:latin typeface="Arial"/>
+              </a:rPr>
+              <a:t>Dinâmica</a:t>
+            </a:r>
+            <a:endParaRPr b="0" lang="pt-BR" sz="2800" spc="-1" strike="noStrike">
+              <a:latin typeface="Arial"/>
+            </a:endParaRPr>
+          </a:p>
+        </p:txBody>
+      </p:sp>
+      <p:sp>
+        <p:nvSpPr>
+          <p:cNvPr id="169" name="TextShape 15"/>
+          <p:cNvSpPr txBox="1"/>
+          <p:nvPr/>
+        </p:nvSpPr>
+        <p:spPr>
+          <a:xfrm>
+            <a:off x="1800000" y="3148920"/>
+            <a:ext cx="1656000" cy="883080"/>
+          </a:xfrm>
+          <a:prstGeom prst="rect">
+            <a:avLst/>
+          </a:prstGeom>
+          <a:solidFill>
+            <a:srgbClr val="ffffff"/>
+          </a:solidFill>
+          <a:ln>
+            <a:solidFill>
+              <a:srgbClr val="ffffff"/>
+            </a:solidFill>
+          </a:ln>
+        </p:spPr>
+        <p:txBody>
+          <a:bodyPr lIns="90000" rIns="90000" tIns="45000" bIns="45000"/>
+          <a:p>
+            <a:r>
+              <a:rPr b="1" lang="pt-BR" sz="2800" spc="-1" strike="noStrike">
+                <a:latin typeface="Arial"/>
+              </a:rPr>
+              <a:t>Estático</a:t>
+            </a:r>
+            <a:endParaRPr b="0" lang="pt-BR" sz="2800" spc="-1" strike="noStrike">
+              <a:latin typeface="Arial"/>
+            </a:endParaRPr>
+          </a:p>
+        </p:txBody>
+      </p:sp>
+      <p:sp>
+        <p:nvSpPr>
+          <p:cNvPr id="170" name="TextShape 16"/>
+          <p:cNvSpPr txBox="1"/>
+          <p:nvPr/>
+        </p:nvSpPr>
+        <p:spPr>
+          <a:xfrm>
+            <a:off x="1595160" y="3930840"/>
+            <a:ext cx="2001960" cy="486720"/>
+          </a:xfrm>
+          <a:prstGeom prst="rect">
+            <a:avLst/>
+          </a:prstGeom>
+          <a:noFill/>
+          <a:ln>
+            <a:noFill/>
+          </a:ln>
+        </p:spPr>
+        <p:txBody>
+          <a:bodyPr lIns="90000" rIns="90000" tIns="45000" bIns="45000"/>
+          <a:p>
+            <a:r>
+              <a:rPr b="0" lang="pt-BR" sz="2800" spc="-1" strike="noStrike">
+                <a:latin typeface="Arial"/>
+              </a:rPr>
+              <a:t>htlm_read()</a:t>
+            </a:r>
+            <a:endParaRPr b="0" lang="pt-BR" sz="2800" spc="-1" strike="noStrike">
+              <a:latin typeface="Arial"/>
+            </a:endParaRPr>
+          </a:p>
+        </p:txBody>
+      </p:sp>
+      <p:sp>
+        <p:nvSpPr>
+          <p:cNvPr id="171" name="TextShape 17"/>
+          <p:cNvSpPr txBox="1"/>
+          <p:nvPr/>
+        </p:nvSpPr>
+        <p:spPr>
+          <a:xfrm>
+            <a:off x="1595520" y="3930840"/>
+            <a:ext cx="2001960" cy="486720"/>
+          </a:xfrm>
+          <a:prstGeom prst="rect">
+            <a:avLst/>
+          </a:prstGeom>
+          <a:noFill/>
+          <a:ln>
+            <a:noFill/>
+          </a:ln>
+        </p:spPr>
+        <p:txBody>
+          <a:bodyPr lIns="90000" rIns="90000" tIns="45000" bIns="45000"/>
+          <a:p>
+            <a:r>
+              <a:rPr b="0" lang="pt-BR" sz="2800" spc="-1" strike="noStrike">
+                <a:latin typeface="Arial"/>
+              </a:rPr>
+              <a:t>htlm_read()</a:t>
+            </a:r>
+            <a:endParaRPr b="0" lang="pt-BR" sz="2800" spc="-1" strike="noStrike">
+              <a:latin typeface="Arial"/>
+            </a:endParaRPr>
+          </a:p>
+        </p:txBody>
+      </p:sp>
+      <p:sp>
+        <p:nvSpPr>
+          <p:cNvPr id="172" name="TextShape 18"/>
+          <p:cNvSpPr txBox="1"/>
+          <p:nvPr/>
+        </p:nvSpPr>
+        <p:spPr>
+          <a:xfrm>
+            <a:off x="8218800" y="3778560"/>
+            <a:ext cx="2497320" cy="486720"/>
+          </a:xfrm>
+          <a:prstGeom prst="rect">
+            <a:avLst/>
+          </a:prstGeom>
+          <a:noFill/>
+          <a:ln>
+            <a:noFill/>
+          </a:ln>
+        </p:spPr>
+        <p:txBody>
+          <a:bodyPr lIns="90000" rIns="90000" tIns="45000" bIns="45000"/>
+          <a:p>
+            <a:r>
+              <a:rPr b="0" lang="pt-BR" sz="2800" spc="-1" strike="noStrike">
+                <a:latin typeface="Arial"/>
+              </a:rPr>
+              <a:t>htlm_session()</a:t>
+            </a:r>
+            <a:endParaRPr b="0" lang="pt-BR" sz="2800" spc="-1" strike="noStrike">
+              <a:latin typeface="Arial"/>
+            </a:endParaRPr>
+          </a:p>
+        </p:txBody>
+      </p:sp>
+    </p:spTree>
+  </p:cSld>
+  <p:timing>
+    <p:tnLst>
+      <p:par>
+        <p:cTn id="7" dur="indefinite" restart="never" nodeType="tmRoot">
+          <p:childTnLst>
+            <p:seq>
+              <p:cTn id="8" nodeType="mainSeq"/>
+              <p:prevCondLst>
+                <p:cond delay="0" evt="onPrev">
+                  <p:tgtEl>
+                    <p:sldTgt/>
+                  </p:tgtEl>
+                </p:cond>
+              </p:prevCondLst>
+              <p:nextCondLst>
+                <p:cond delay="0" evt="onNext">
+                  <p:tgtEl>
+                    <p:sldTgt/>
+                  </p:tgtEl>
+                </p:cond>
+              </p:nextCondLst>
+            </p:seq>
+          </p:childTnLst>
+        </p:cTn>
+      </p:par>
+    </p:tnLst>
+  </p:timing>
+</p:sld>
+</file>
+
+<file path=ppt/slides/slide5.xml><?xml version="1.0" encoding="utf-8"?>
+<p:sld xmlns:a="http://schemas.openxmlformats.org/drawingml/2006/main" xmlns:p="http://schemas.openxmlformats.org/presentationml/2006/main" xmlns:r="http://schemas.openxmlformats.org/officeDocument/2006/relationships" xmlns:p14="http://schemas.microsoft.com/office/powerpoint/2010/main" xmlns:p15="http://schemas.microsoft.com/office/powerpoint/2012/main" xmlns:mc="http://schemas.openxmlformats.org/markup-compatibility/2006">
+  <p:cSld>
+    <p:spTree>
+      <p:nvGrpSpPr>
+        <p:cNvPr id="1" name=""/>
+        <p:cNvGrpSpPr/>
+        <p:nvPr/>
+      </p:nvGrpSpPr>
+      <p:grpSpPr>
+        <a:xfrm>
+          <a:off x="0" y="0"/>
+          <a:ext cx="0" cy="0"/>
+          <a:chOff x="0" y="0"/>
+          <a:chExt cx="0" cy="0"/>
+        </a:xfrm>
+      </p:grpSpPr>
+      <p:sp>
+        <p:nvSpPr>
+          <p:cNvPr id="173" name="CustomShape 1"/>
+          <p:cNvSpPr/>
+          <p:nvPr/>
+        </p:nvSpPr>
+        <p:spPr>
+          <a:xfrm>
+            <a:off x="2574360" y="0"/>
+            <a:ext cx="9298080" cy="899640"/>
+          </a:xfrm>
+          <a:prstGeom prst="rect">
+            <a:avLst/>
+          </a:prstGeom>
+          <a:noFill/>
+          <a:ln>
+            <a:noFill/>
+          </a:ln>
+        </p:spPr>
+        <p:style>
+          <a:lnRef idx="0"/>
+          <a:fillRef idx="0"/>
+          <a:effectRef idx="0"/>
+          <a:fontRef idx="minor"/>
+        </p:style>
+        <p:txBody>
+          <a:bodyPr lIns="90000" rIns="90000" tIns="45000" bIns="45000" anchor="ctr"/>
+          <a:p>
+            <a:pPr algn="r">
+              <a:lnSpc>
+                <a:spcPct val="100000"/>
+              </a:lnSpc>
+            </a:pPr>
+            <a:r>
+              <a:rPr b="0" lang="pt-BR" sz="4000" spc="-1" strike="noStrike">
+                <a:solidFill>
+                  <a:srgbClr val="000000"/>
+                </a:solidFill>
+                <a:latin typeface="Calibri Light"/>
+                <a:ea typeface="DejaVu Sans"/>
+              </a:rPr>
+              <a:t>HTM</a:t>
+            </a:r>
+            <a:r>
+              <a:rPr b="0" lang="pt-BR" sz="4000" spc="-1" strike="noStrike">
+                <a:solidFill>
+                  <a:srgbClr val="000000"/>
+                </a:solidFill>
+                <a:latin typeface="Calibri Light"/>
+                <a:ea typeface="DejaVu Sans"/>
+              </a:rPr>
+              <a:t>L in </a:t>
+            </a:r>
+            <a:r>
+              <a:rPr b="0" lang="pt-BR" sz="4000" spc="-1" strike="noStrike">
+                <a:solidFill>
+                  <a:srgbClr val="000000"/>
+                </a:solidFill>
+                <a:latin typeface="Calibri Light"/>
+                <a:ea typeface="DejaVu Sans"/>
+              </a:rPr>
+              <a:t>a </a:t>
+            </a:r>
+            <a:r>
+              <a:rPr b="0" lang="pt-BR" sz="4000" spc="-1" strike="noStrike">
+                <a:solidFill>
+                  <a:srgbClr val="000000"/>
+                </a:solidFill>
+                <a:latin typeface="Calibri Light"/>
+                <a:ea typeface="DejaVu Sans"/>
+              </a:rPr>
+              <a:t>nuts</a:t>
+            </a:r>
+            <a:r>
+              <a:rPr b="0" lang="pt-BR" sz="4000" spc="-1" strike="noStrike">
+                <a:solidFill>
+                  <a:srgbClr val="000000"/>
+                </a:solidFill>
+                <a:latin typeface="Calibri Light"/>
+                <a:ea typeface="DejaVu Sans"/>
+              </a:rPr>
+              <a:t>hell</a:t>
+            </a:r>
+            <a:endParaRPr b="0" lang="pt-BR" sz="4000" spc="-1" strike="noStrike">
+              <a:latin typeface="Arial"/>
+            </a:endParaRPr>
+          </a:p>
+        </p:txBody>
+      </p:sp>
+      <p:sp>
+        <p:nvSpPr>
+          <p:cNvPr id="174" name="CustomShape 2"/>
+          <p:cNvSpPr/>
+          <p:nvPr/>
+        </p:nvSpPr>
+        <p:spPr>
+          <a:xfrm>
+            <a:off x="838080" y="6356520"/>
+            <a:ext cx="2742480" cy="364320"/>
+          </a:xfrm>
+          <a:prstGeom prst="rect">
+            <a:avLst/>
+          </a:prstGeom>
+          <a:noFill/>
+          <a:ln>
+            <a:noFill/>
+          </a:ln>
+        </p:spPr>
+        <p:style>
+          <a:lnRef idx="0"/>
+          <a:fillRef idx="0"/>
+          <a:effectRef idx="0"/>
+          <a:fontRef idx="minor"/>
+        </p:style>
+        <p:txBody>
+          <a:bodyPr lIns="90000" rIns="90000" tIns="45000" bIns="45000" anchor="ctr"/>
+          <a:p>
+            <a:pPr>
+              <a:lnSpc>
+                <a:spcPct val="100000"/>
+              </a:lnSpc>
+            </a:pPr>
+            <a:fld id="{E18F8DF9-CB36-4511-AB2B-318D5B3969FD}" type="datetime1">
+              <a:rPr b="1" lang="pt-BR" sz="1600" spc="-1" strike="noStrike">
+                <a:solidFill>
+                  <a:srgbClr val="000000"/>
+                </a:solidFill>
+                <a:latin typeface="Calibri"/>
+                <a:ea typeface="DejaVu Sans"/>
+              </a:rPr>
+              <a:t>22/05/2018</a:t>
+            </a:fld>
+            <a:endParaRPr b="0" lang="pt-BR" sz="1600" spc="-1" strike="noStrike">
+              <a:latin typeface="Arial"/>
+            </a:endParaRPr>
+          </a:p>
+        </p:txBody>
+      </p:sp>
+      <p:sp>
+        <p:nvSpPr>
+          <p:cNvPr id="175" name="CustomShape 3"/>
+          <p:cNvSpPr/>
+          <p:nvPr/>
+        </p:nvSpPr>
+        <p:spPr>
+          <a:xfrm>
+            <a:off x="4038480" y="6356520"/>
+            <a:ext cx="4114080" cy="364320"/>
+          </a:xfrm>
+          <a:prstGeom prst="rect">
+            <a:avLst/>
+          </a:prstGeom>
+          <a:noFill/>
+          <a:ln>
+            <a:noFill/>
+          </a:ln>
+        </p:spPr>
+        <p:style>
+          <a:lnRef idx="0"/>
+          <a:fillRef idx="0"/>
+          <a:effectRef idx="0"/>
+          <a:fontRef idx="minor"/>
+        </p:style>
+        <p:txBody>
+          <a:bodyPr lIns="90000" rIns="90000" tIns="45000" bIns="45000" anchor="ctr"/>
+          <a:p>
+            <a:pPr algn="ctr">
+              <a:lnSpc>
+                <a:spcPct val="100000"/>
+              </a:lnSpc>
+            </a:pPr>
+            <a:r>
+              <a:rPr b="1" lang="pt-BR" sz="1600" spc="-1" strike="noStrike">
+                <a:solidFill>
+                  <a:srgbClr val="000000"/>
+                </a:solidFill>
+                <a:latin typeface="Calibri"/>
+                <a:ea typeface="DejaVu Sans"/>
+              </a:rPr>
+              <a:t>Webscrapi</a:t>
+            </a:r>
+            <a:r>
+              <a:rPr b="1" lang="pt-BR" sz="1600" spc="-1" strike="noStrike">
+                <a:solidFill>
+                  <a:srgbClr val="000000"/>
+                </a:solidFill>
+                <a:latin typeface="Calibri"/>
+                <a:ea typeface="DejaVu Sans"/>
+              </a:rPr>
+              <a:t>ng com </a:t>
+            </a:r>
+            <a:r>
+              <a:rPr b="1" lang="pt-BR" sz="1600" spc="-1" strike="noStrike">
+                <a:solidFill>
+                  <a:srgbClr val="000000"/>
+                </a:solidFill>
+                <a:latin typeface="Calibri"/>
+                <a:ea typeface="DejaVu Sans"/>
+              </a:rPr>
+              <a:t>pacote </a:t>
+            </a:r>
+            <a:r>
+              <a:rPr b="1" lang="pt-BR" sz="1600" spc="-1" strike="noStrike">
+                <a:solidFill>
+                  <a:srgbClr val="000000"/>
+                </a:solidFill>
+                <a:latin typeface="Calibri"/>
+                <a:ea typeface="DejaVu Sans"/>
+              </a:rPr>
+              <a:t>Rvest</a:t>
+            </a:r>
+            <a:endParaRPr b="0" lang="pt-BR" sz="1600" spc="-1" strike="noStrike">
+              <a:latin typeface="Arial"/>
+            </a:endParaRPr>
+          </a:p>
+        </p:txBody>
+      </p:sp>
+      <p:sp>
+        <p:nvSpPr>
+          <p:cNvPr id="176" name="CustomShape 4"/>
+          <p:cNvSpPr/>
+          <p:nvPr/>
+        </p:nvSpPr>
+        <p:spPr>
+          <a:xfrm>
+            <a:off x="11353680" y="6176880"/>
+            <a:ext cx="606960" cy="364320"/>
+          </a:xfrm>
+          <a:prstGeom prst="rect">
+            <a:avLst/>
+          </a:prstGeom>
+          <a:noFill/>
+          <a:ln>
+            <a:noFill/>
+          </a:ln>
+        </p:spPr>
+        <p:style>
+          <a:lnRef idx="0"/>
+          <a:fillRef idx="0"/>
+          <a:effectRef idx="0"/>
+          <a:fontRef idx="minor"/>
+        </p:style>
+        <p:txBody>
+          <a:bodyPr lIns="90000" rIns="90000" tIns="45000" bIns="45000" anchor="ctr"/>
+          <a:p>
+            <a:pPr algn="ctr">
+              <a:lnSpc>
+                <a:spcPct val="100000"/>
+              </a:lnSpc>
+            </a:pPr>
+            <a:fld id="{4A8EFCF5-EBF4-40D9-BB5B-E0C26EFB7AE7}" type="slidenum">
+              <a:rPr b="1" lang="pt-BR" sz="2000" spc="-1" strike="noStrike">
+                <a:solidFill>
+                  <a:srgbClr val="ffffff"/>
+                </a:solidFill>
+                <a:latin typeface="Calibri"/>
+                <a:ea typeface="DejaVu Sans"/>
+              </a:rPr>
+              <a:t>1</a:t>
+            </a:fld>
+            <a:endParaRPr b="0" lang="pt-BR" sz="2000" spc="-1" strike="noStrike">
+              <a:latin typeface="Arial"/>
+            </a:endParaRPr>
+          </a:p>
+        </p:txBody>
+      </p:sp>
+      <p:sp>
+        <p:nvSpPr>
+          <p:cNvPr id="177" name="CustomShape 5"/>
+          <p:cNvSpPr/>
+          <p:nvPr/>
+        </p:nvSpPr>
+        <p:spPr>
+          <a:xfrm>
+            <a:off x="7368480" y="4865400"/>
+            <a:ext cx="1123920" cy="282600"/>
+          </a:xfrm>
+          <a:prstGeom prst="rect">
+            <a:avLst/>
+          </a:prstGeom>
+          <a:solidFill>
+            <a:srgbClr val="ffffff"/>
+          </a:solidFill>
+          <a:ln w="12600">
+            <a:solidFill>
+              <a:srgbClr val="ffffff"/>
+            </a:solidFill>
+            <a:miter/>
+          </a:ln>
+        </p:spPr>
+        <p:style>
+          <a:lnRef idx="0"/>
+          <a:fillRef idx="0"/>
+          <a:effectRef idx="0"/>
+          <a:fontRef idx="minor"/>
+        </p:style>
+      </p:sp>
+      <p:sp>
+        <p:nvSpPr>
+          <p:cNvPr id="178" name="CustomShape 6"/>
+          <p:cNvSpPr/>
+          <p:nvPr/>
+        </p:nvSpPr>
+        <p:spPr>
+          <a:xfrm>
+            <a:off x="7350120" y="1089000"/>
+            <a:ext cx="1123920" cy="282600"/>
+          </a:xfrm>
+          <a:prstGeom prst="rect">
+            <a:avLst/>
+          </a:prstGeom>
+          <a:solidFill>
+            <a:srgbClr val="ffffff"/>
+          </a:solidFill>
+          <a:ln w="12600">
+            <a:solidFill>
+              <a:srgbClr val="ffffff"/>
+            </a:solidFill>
+            <a:miter/>
+          </a:ln>
+        </p:spPr>
+        <p:style>
+          <a:lnRef idx="0"/>
+          <a:fillRef idx="0"/>
+          <a:effectRef idx="0"/>
+          <a:fontRef idx="minor"/>
+        </p:style>
+      </p:sp>
+      <p:sp>
+        <p:nvSpPr>
+          <p:cNvPr id="179" name="CustomShape 7"/>
+          <p:cNvSpPr/>
+          <p:nvPr/>
+        </p:nvSpPr>
+        <p:spPr>
+          <a:xfrm>
+            <a:off x="7396920" y="1983960"/>
+            <a:ext cx="1123920" cy="282600"/>
+          </a:xfrm>
+          <a:prstGeom prst="rect">
+            <a:avLst/>
+          </a:prstGeom>
+          <a:solidFill>
+            <a:srgbClr val="ffffff"/>
+          </a:solidFill>
+          <a:ln w="12600">
+            <a:solidFill>
+              <a:srgbClr val="ffffff"/>
+            </a:solidFill>
+            <a:miter/>
+          </a:ln>
+        </p:spPr>
+        <p:style>
+          <a:lnRef idx="0"/>
+          <a:fillRef idx="0"/>
+          <a:effectRef idx="0"/>
+          <a:fontRef idx="minor"/>
+        </p:style>
+      </p:sp>
+      <p:sp>
+        <p:nvSpPr>
+          <p:cNvPr id="180" name="CustomShape 8"/>
+          <p:cNvSpPr/>
+          <p:nvPr/>
+        </p:nvSpPr>
+        <p:spPr>
+          <a:xfrm>
+            <a:off x="2144160" y="2574720"/>
+            <a:ext cx="1195200" cy="336240"/>
+          </a:xfrm>
+          <a:prstGeom prst="rect">
+            <a:avLst/>
+          </a:prstGeom>
+          <a:solidFill>
+            <a:srgbClr val="ffffff"/>
+          </a:solidFill>
+          <a:ln w="12600">
+            <a:solidFill>
+              <a:srgbClr val="ffffff"/>
+            </a:solidFill>
+            <a:miter/>
+          </a:ln>
+        </p:spPr>
+        <p:style>
+          <a:lnRef idx="0"/>
+          <a:fillRef idx="0"/>
+          <a:effectRef idx="0"/>
+          <a:fontRef idx="minor"/>
+        </p:style>
+      </p:sp>
+      <p:sp>
+        <p:nvSpPr>
+          <p:cNvPr id="181" name="CustomShape 9"/>
+          <p:cNvSpPr/>
+          <p:nvPr/>
+        </p:nvSpPr>
+        <p:spPr>
+          <a:xfrm>
+            <a:off x="3020040" y="2016360"/>
+            <a:ext cx="1254960" cy="291960"/>
+          </a:xfrm>
+          <a:prstGeom prst="rect">
+            <a:avLst/>
+          </a:prstGeom>
+          <a:solidFill>
+            <a:srgbClr val="ffffff"/>
+          </a:solidFill>
+          <a:ln w="12600">
+            <a:solidFill>
+              <a:srgbClr val="ffffff"/>
+            </a:solidFill>
+            <a:miter/>
+          </a:ln>
+        </p:spPr>
+        <p:style>
+          <a:lnRef idx="0"/>
+          <a:fillRef idx="0"/>
+          <a:effectRef idx="0"/>
+          <a:fontRef idx="minor"/>
+        </p:style>
+      </p:sp>
+      <p:sp>
+        <p:nvSpPr>
+          <p:cNvPr id="182" name="CustomShape 10"/>
+          <p:cNvSpPr/>
+          <p:nvPr/>
+        </p:nvSpPr>
+        <p:spPr>
+          <a:xfrm>
+            <a:off x="2361600" y="5490360"/>
+            <a:ext cx="1617840" cy="513000"/>
+          </a:xfrm>
+          <a:prstGeom prst="rect">
+            <a:avLst/>
+          </a:prstGeom>
+          <a:solidFill>
+            <a:srgbClr val="ffffff"/>
+          </a:solidFill>
+          <a:ln w="12600">
+            <a:solidFill>
+              <a:srgbClr val="ffffff"/>
+            </a:solidFill>
+            <a:miter/>
+          </a:ln>
+        </p:spPr>
+        <p:style>
+          <a:lnRef idx="0"/>
+          <a:fillRef idx="0"/>
+          <a:effectRef idx="0"/>
+          <a:fontRef idx="minor"/>
+        </p:style>
+      </p:sp>
+      <p:sp>
+        <p:nvSpPr>
+          <p:cNvPr id="183" name="CustomShape 11"/>
+          <p:cNvSpPr/>
+          <p:nvPr/>
+        </p:nvSpPr>
+        <p:spPr>
+          <a:xfrm>
+            <a:off x="7992720" y="5337720"/>
+            <a:ext cx="1142280" cy="419040"/>
+          </a:xfrm>
+          <a:prstGeom prst="rect">
+            <a:avLst/>
+          </a:prstGeom>
+          <a:solidFill>
+            <a:srgbClr val="ffffff"/>
+          </a:solidFill>
+          <a:ln w="12600">
+            <a:solidFill>
+              <a:srgbClr val="ffffff"/>
+            </a:solidFill>
+            <a:miter/>
+          </a:ln>
+        </p:spPr>
+        <p:style>
+          <a:lnRef idx="0"/>
+          <a:fillRef idx="0"/>
+          <a:effectRef idx="0"/>
+          <a:fontRef idx="minor"/>
+        </p:style>
+      </p:sp>
+      <p:pic>
+        <p:nvPicPr>
+          <p:cNvPr id="184" name="" descr=""/>
+          <p:cNvPicPr/>
+          <p:nvPr/>
+        </p:nvPicPr>
+        <p:blipFill>
+          <a:blip r:embed="rId1"/>
+          <a:stretch/>
+        </p:blipFill>
+        <p:spPr>
+          <a:xfrm>
+            <a:off x="144000" y="1395360"/>
+            <a:ext cx="11277720" cy="4148640"/>
+          </a:xfrm>
+          <a:prstGeom prst="rect">
+            <a:avLst/>
+          </a:prstGeom>
+          <a:ln>
+            <a:noFill/>
+          </a:ln>
+        </p:spPr>
+      </p:pic>
+      <p:sp>
+        <p:nvSpPr>
+          <p:cNvPr id="185" name="CustomShape 12"/>
+          <p:cNvSpPr/>
+          <p:nvPr/>
+        </p:nvSpPr>
+        <p:spPr>
+          <a:xfrm>
+            <a:off x="108000" y="1404000"/>
+            <a:ext cx="12024000" cy="1008000"/>
+          </a:xfrm>
+          <a:prstGeom prst="rect">
+            <a:avLst/>
+          </a:prstGeom>
+          <a:solidFill>
+            <a:srgbClr val="ffffff"/>
+          </a:solidFill>
+          <a:ln>
+            <a:solidFill>
+              <a:srgbClr val="ffffff"/>
+            </a:solidFill>
+          </a:ln>
+        </p:spPr>
+        <p:style>
+          <a:lnRef idx="0"/>
+          <a:fillRef idx="0"/>
+          <a:effectRef idx="0"/>
+          <a:fontRef idx="minor"/>
+        </p:style>
+      </p:sp>
+    </p:spTree>
+  </p:cSld>
+  <p:timing>
+    <p:tnLst>
+      <p:par>
+        <p:cTn id="9" dur="indefinite" restart="never" nodeType="tmRoot">
+          <p:childTnLst>
+            <p:seq>
+              <p:cTn id="10" nodeType="mainSeq"/>
+              <p:prevCondLst>
+                <p:cond delay="0" evt="onPrev">
+                  <p:tgtEl>
+                    <p:sldTgt/>
+                  </p:tgtEl>
+                </p:cond>
+              </p:prevCondLst>
+              <p:nextCondLst>
+                <p:cond delay="0" evt="onNext">
+                  <p:tgtEl>
+                    <p:sldTgt/>
+                  </p:tgtEl>
+                </p:cond>
+              </p:nextCondLst>
+            </p:seq>
+          </p:childTnLst>
+        </p:cTn>
+      </p:par>
+    </p:tnLst>
+  </p:timing>
+</p:sld>
+</file>
+
+<file path=ppt/slides/slide6.xml><?xml version="1.0" encoding="utf-8"?>
+<p:sld xmlns:a="http://schemas.openxmlformats.org/drawingml/2006/main" xmlns:p="http://schemas.openxmlformats.org/presentationml/2006/main" xmlns:r="http://schemas.openxmlformats.org/officeDocument/2006/relationships" xmlns:p14="http://schemas.microsoft.com/office/powerpoint/2010/main" xmlns:p15="http://schemas.microsoft.com/office/powerpoint/2012/main" xmlns:mc="http://schemas.openxmlformats.org/markup-compatibility/2006">
+  <p:cSld>
+    <p:spTree>
+      <p:nvGrpSpPr>
+        <p:cNvPr id="1" name=""/>
+        <p:cNvGrpSpPr/>
+        <p:nvPr/>
+      </p:nvGrpSpPr>
+      <p:grpSpPr>
+        <a:xfrm>
+          <a:off x="0" y="0"/>
+          <a:ext cx="0" cy="0"/>
+          <a:chOff x="0" y="0"/>
+          <a:chExt cx="0" cy="0"/>
+        </a:xfrm>
+      </p:grpSpPr>
+      <p:sp>
+        <p:nvSpPr>
+          <p:cNvPr id="186" name="CustomShape 1"/>
+          <p:cNvSpPr/>
+          <p:nvPr/>
+        </p:nvSpPr>
+        <p:spPr>
+          <a:xfrm>
             <a:off x="7175520" y="3867840"/>
             <a:ext cx="4550760" cy="1654920"/>
           </a:xfrm>
@@ -6972,7 +8533,7 @@
       </p:sp>
       <p:sp>
         <p:nvSpPr>
-          <p:cNvPr id="155" name="CustomShape 2"/>
+          <p:cNvPr id="187" name="CustomShape 2"/>
           <p:cNvSpPr/>
           <p:nvPr/>
         </p:nvSpPr>
@@ -7072,7 +8633,7 @@
       </p:sp>
       <p:sp>
         <p:nvSpPr>
-          <p:cNvPr id="156" name="CustomShape 3"/>
+          <p:cNvPr id="188" name="CustomShape 3"/>
           <p:cNvSpPr/>
           <p:nvPr/>
         </p:nvSpPr>
@@ -7123,7 +8684,7 @@
       </p:sp>
       <p:sp>
         <p:nvSpPr>
-          <p:cNvPr id="157" name="CustomShape 4"/>
+          <p:cNvPr id="189" name="CustomShape 4"/>
           <p:cNvSpPr/>
           <p:nvPr/>
         </p:nvSpPr>
@@ -7152,10 +8713,10 @@
   <p:timing>
     <p:tnLst>
       <p:par>
-        <p:cTn id="7" dur="indefinite" restart="never" nodeType="tmRoot">
+        <p:cTn id="11" dur="indefinite" restart="never" nodeType="tmRoot">
           <p:childTnLst>
             <p:seq>
-              <p:cTn id="8" nodeType="mainSeq"/>
+              <p:cTn id="12" nodeType="mainSeq"/>
               <p:prevCondLst>
                 <p:cond delay="0" evt="onPrev">
                   <p:tgtEl>
